--- a/ppt 16-9/1204.安息乐园.pptx
+++ b/ppt 16-9/1204.安息乐园.pptx
@@ -129,7 +129,7 @@
           <p:cNvPr id="2" name="标题 1">
             <a:extLst>
               <a:ext uri="{FF2B5EF4-FFF2-40B4-BE49-F238E27FC236}">
-                <a16:creationId xmlns:a16="http://schemas.microsoft.com/office/drawing/2014/main" id="{09B82A61-262D-E246-F25D-FB2CF8BA5CE7}"/>
+                <a16:creationId xmlns:a16="http://schemas.microsoft.com/office/drawing/2014/main" id="{BA4831FD-7BED-4047-A778-AAE4EA1D7F16}"/>
               </a:ext>
             </a:extLst>
           </p:cNvPr>
@@ -166,7 +166,7 @@
           <p:cNvPr id="3" name="副标题 2">
             <a:extLst>
               <a:ext uri="{FF2B5EF4-FFF2-40B4-BE49-F238E27FC236}">
-                <a16:creationId xmlns:a16="http://schemas.microsoft.com/office/drawing/2014/main" id="{7EA09270-6002-B377-D53B-F2B69CF20448}"/>
+                <a16:creationId xmlns:a16="http://schemas.microsoft.com/office/drawing/2014/main" id="{7A19DF90-3106-989C-84EE-A7E4ADCAAC47}"/>
               </a:ext>
             </a:extLst>
           </p:cNvPr>
@@ -236,7 +236,7 @@
           <p:cNvPr id="4" name="日期占位符 3">
             <a:extLst>
               <a:ext uri="{FF2B5EF4-FFF2-40B4-BE49-F238E27FC236}">
-                <a16:creationId xmlns:a16="http://schemas.microsoft.com/office/drawing/2014/main" id="{7CB160FA-11D0-0209-665D-0C05118F06D9}"/>
+                <a16:creationId xmlns:a16="http://schemas.microsoft.com/office/drawing/2014/main" id="{5A3AE7DC-CCCA-CB2C-B7A7-C69150B585C2}"/>
               </a:ext>
             </a:extLst>
           </p:cNvPr>
@@ -252,7 +252,7 @@
           <a:bodyPr/>
           <a:lstStyle/>
           <a:p>
-            <a:fld id="{7CC093F5-5257-4FD6-9812-8E61E1FE62C6}" type="datetimeFigureOut">
+            <a:fld id="{A9FC5BAD-FF35-4EB9-9394-257AD0E89C23}" type="datetimeFigureOut">
               <a:rPr lang="zh-CN" altLang="en-US" smtClean="0"/>
               <a:t>2024/3/10</a:t>
             </a:fld>
@@ -265,7 +265,7 @@
           <p:cNvPr id="5" name="页脚占位符 4">
             <a:extLst>
               <a:ext uri="{FF2B5EF4-FFF2-40B4-BE49-F238E27FC236}">
-                <a16:creationId xmlns:a16="http://schemas.microsoft.com/office/drawing/2014/main" id="{49D49D10-7775-C3FF-BBAF-77A502679668}"/>
+                <a16:creationId xmlns:a16="http://schemas.microsoft.com/office/drawing/2014/main" id="{0AF13916-3906-5D35-FB3E-502EC173DA39}"/>
               </a:ext>
             </a:extLst>
           </p:cNvPr>
@@ -290,7 +290,7 @@
           <p:cNvPr id="6" name="灯片编号占位符 5">
             <a:extLst>
               <a:ext uri="{FF2B5EF4-FFF2-40B4-BE49-F238E27FC236}">
-                <a16:creationId xmlns:a16="http://schemas.microsoft.com/office/drawing/2014/main" id="{4A9F9AE9-D548-8CE3-FC30-FD932DD9013F}"/>
+                <a16:creationId xmlns:a16="http://schemas.microsoft.com/office/drawing/2014/main" id="{7758E82F-6B0E-816A-3794-ACC738B45C9C}"/>
               </a:ext>
             </a:extLst>
           </p:cNvPr>
@@ -306,7 +306,7 @@
           <a:bodyPr/>
           <a:lstStyle/>
           <a:p>
-            <a:fld id="{3F27273A-E63C-405E-BF0E-E8D76D77E667}" type="slidenum">
+            <a:fld id="{9C2BDED6-85E7-40BC-AEF9-FE012DC9DB63}" type="slidenum">
               <a:rPr lang="zh-CN" altLang="en-US" smtClean="0"/>
               <a:t>‹#›</a:t>
             </a:fld>
@@ -317,7 +317,7 @@
     </p:spTree>
     <p:extLst>
       <p:ext uri="{BB962C8B-B14F-4D97-AF65-F5344CB8AC3E}">
-        <p14:creationId xmlns:p14="http://schemas.microsoft.com/office/powerpoint/2010/main" val="118086328"/>
+        <p14:creationId xmlns:p14="http://schemas.microsoft.com/office/powerpoint/2010/main" val="801304559"/>
       </p:ext>
     </p:extLst>
   </p:cSld>
@@ -349,7 +349,7 @@
           <p:cNvPr id="2" name="标题 1">
             <a:extLst>
               <a:ext uri="{FF2B5EF4-FFF2-40B4-BE49-F238E27FC236}">
-                <a16:creationId xmlns:a16="http://schemas.microsoft.com/office/drawing/2014/main" id="{458426CD-BE71-63BB-DAB4-EA3B3470BB90}"/>
+                <a16:creationId xmlns:a16="http://schemas.microsoft.com/office/drawing/2014/main" id="{D89114F0-EF83-CC15-5438-B09BAB2CE63A}"/>
               </a:ext>
             </a:extLst>
           </p:cNvPr>
@@ -377,7 +377,7 @@
           <p:cNvPr id="3" name="竖排文字占位符 2">
             <a:extLst>
               <a:ext uri="{FF2B5EF4-FFF2-40B4-BE49-F238E27FC236}">
-                <a16:creationId xmlns:a16="http://schemas.microsoft.com/office/drawing/2014/main" id="{2E1F2BB5-B105-318F-5EB7-86BAF5DDD862}"/>
+                <a16:creationId xmlns:a16="http://schemas.microsoft.com/office/drawing/2014/main" id="{FA9B182A-794A-70A2-B9BF-CC704AE5D8DD}"/>
               </a:ext>
             </a:extLst>
           </p:cNvPr>
@@ -434,7 +434,7 @@
           <p:cNvPr id="4" name="日期占位符 3">
             <a:extLst>
               <a:ext uri="{FF2B5EF4-FFF2-40B4-BE49-F238E27FC236}">
-                <a16:creationId xmlns:a16="http://schemas.microsoft.com/office/drawing/2014/main" id="{165D7CA5-FBF4-68CC-205C-5FAC214E8378}"/>
+                <a16:creationId xmlns:a16="http://schemas.microsoft.com/office/drawing/2014/main" id="{D36BA446-D0BC-AD8D-08F6-1F85C833A8C4}"/>
               </a:ext>
             </a:extLst>
           </p:cNvPr>
@@ -450,7 +450,7 @@
           <a:bodyPr/>
           <a:lstStyle/>
           <a:p>
-            <a:fld id="{7CC093F5-5257-4FD6-9812-8E61E1FE62C6}" type="datetimeFigureOut">
+            <a:fld id="{A9FC5BAD-FF35-4EB9-9394-257AD0E89C23}" type="datetimeFigureOut">
               <a:rPr lang="zh-CN" altLang="en-US" smtClean="0"/>
               <a:t>2024/3/10</a:t>
             </a:fld>
@@ -463,7 +463,7 @@
           <p:cNvPr id="5" name="页脚占位符 4">
             <a:extLst>
               <a:ext uri="{FF2B5EF4-FFF2-40B4-BE49-F238E27FC236}">
-                <a16:creationId xmlns:a16="http://schemas.microsoft.com/office/drawing/2014/main" id="{A9C8DD2B-A2E8-53FE-7817-1FDD785C6923}"/>
+                <a16:creationId xmlns:a16="http://schemas.microsoft.com/office/drawing/2014/main" id="{B4215A57-14F1-DD0B-A314-FB6AC18AB19C}"/>
               </a:ext>
             </a:extLst>
           </p:cNvPr>
@@ -488,7 +488,7 @@
           <p:cNvPr id="6" name="灯片编号占位符 5">
             <a:extLst>
               <a:ext uri="{FF2B5EF4-FFF2-40B4-BE49-F238E27FC236}">
-                <a16:creationId xmlns:a16="http://schemas.microsoft.com/office/drawing/2014/main" id="{A582A454-6DFE-0CDE-8E10-90795F2A6E49}"/>
+                <a16:creationId xmlns:a16="http://schemas.microsoft.com/office/drawing/2014/main" id="{B49534B8-BED7-307A-76C3-F3F3E3C2E020}"/>
               </a:ext>
             </a:extLst>
           </p:cNvPr>
@@ -504,7 +504,7 @@
           <a:bodyPr/>
           <a:lstStyle/>
           <a:p>
-            <a:fld id="{3F27273A-E63C-405E-BF0E-E8D76D77E667}" type="slidenum">
+            <a:fld id="{9C2BDED6-85E7-40BC-AEF9-FE012DC9DB63}" type="slidenum">
               <a:rPr lang="zh-CN" altLang="en-US" smtClean="0"/>
               <a:t>‹#›</a:t>
             </a:fld>
@@ -515,7 +515,7 @@
     </p:spTree>
     <p:extLst>
       <p:ext uri="{BB962C8B-B14F-4D97-AF65-F5344CB8AC3E}">
-        <p14:creationId xmlns:p14="http://schemas.microsoft.com/office/powerpoint/2010/main" val="1493880461"/>
+        <p14:creationId xmlns:p14="http://schemas.microsoft.com/office/powerpoint/2010/main" val="2481037958"/>
       </p:ext>
     </p:extLst>
   </p:cSld>
@@ -547,7 +547,7 @@
           <p:cNvPr id="2" name="竖排标题 1">
             <a:extLst>
               <a:ext uri="{FF2B5EF4-FFF2-40B4-BE49-F238E27FC236}">
-                <a16:creationId xmlns:a16="http://schemas.microsoft.com/office/drawing/2014/main" id="{C07D385F-EBE8-3D99-B5F5-9A8AC2FA5729}"/>
+                <a16:creationId xmlns:a16="http://schemas.microsoft.com/office/drawing/2014/main" id="{E706BD58-671B-72A1-51EE-AD9FC69A6C4D}"/>
               </a:ext>
             </a:extLst>
           </p:cNvPr>
@@ -580,7 +580,7 @@
           <p:cNvPr id="3" name="竖排文字占位符 2">
             <a:extLst>
               <a:ext uri="{FF2B5EF4-FFF2-40B4-BE49-F238E27FC236}">
-                <a16:creationId xmlns:a16="http://schemas.microsoft.com/office/drawing/2014/main" id="{CB134933-04AD-799E-3111-7D3149D12B66}"/>
+                <a16:creationId xmlns:a16="http://schemas.microsoft.com/office/drawing/2014/main" id="{084D3DEB-FCE0-4B1F-41A9-7A6AC668BF0A}"/>
               </a:ext>
             </a:extLst>
           </p:cNvPr>
@@ -642,7 +642,7 @@
           <p:cNvPr id="4" name="日期占位符 3">
             <a:extLst>
               <a:ext uri="{FF2B5EF4-FFF2-40B4-BE49-F238E27FC236}">
-                <a16:creationId xmlns:a16="http://schemas.microsoft.com/office/drawing/2014/main" id="{DE6FFD9B-DB8E-CE93-99BF-829D72A0AA58}"/>
+                <a16:creationId xmlns:a16="http://schemas.microsoft.com/office/drawing/2014/main" id="{67A24302-743A-5B00-302C-F687AC44DC96}"/>
               </a:ext>
             </a:extLst>
           </p:cNvPr>
@@ -658,7 +658,7 @@
           <a:bodyPr/>
           <a:lstStyle/>
           <a:p>
-            <a:fld id="{7CC093F5-5257-4FD6-9812-8E61E1FE62C6}" type="datetimeFigureOut">
+            <a:fld id="{A9FC5BAD-FF35-4EB9-9394-257AD0E89C23}" type="datetimeFigureOut">
               <a:rPr lang="zh-CN" altLang="en-US" smtClean="0"/>
               <a:t>2024/3/10</a:t>
             </a:fld>
@@ -671,7 +671,7 @@
           <p:cNvPr id="5" name="页脚占位符 4">
             <a:extLst>
               <a:ext uri="{FF2B5EF4-FFF2-40B4-BE49-F238E27FC236}">
-                <a16:creationId xmlns:a16="http://schemas.microsoft.com/office/drawing/2014/main" id="{8C857C08-E5BD-8EBD-7FBF-227A5125AE17}"/>
+                <a16:creationId xmlns:a16="http://schemas.microsoft.com/office/drawing/2014/main" id="{EDAD4220-B7BA-6C57-8817-56F492E86E80}"/>
               </a:ext>
             </a:extLst>
           </p:cNvPr>
@@ -696,7 +696,7 @@
           <p:cNvPr id="6" name="灯片编号占位符 5">
             <a:extLst>
               <a:ext uri="{FF2B5EF4-FFF2-40B4-BE49-F238E27FC236}">
-                <a16:creationId xmlns:a16="http://schemas.microsoft.com/office/drawing/2014/main" id="{783BE50A-9296-E878-1975-8CA77D625D22}"/>
+                <a16:creationId xmlns:a16="http://schemas.microsoft.com/office/drawing/2014/main" id="{2BB2D6A4-FCF0-3F3A-0794-F61D847D45F5}"/>
               </a:ext>
             </a:extLst>
           </p:cNvPr>
@@ -712,7 +712,7 @@
           <a:bodyPr/>
           <a:lstStyle/>
           <a:p>
-            <a:fld id="{3F27273A-E63C-405E-BF0E-E8D76D77E667}" type="slidenum">
+            <a:fld id="{9C2BDED6-85E7-40BC-AEF9-FE012DC9DB63}" type="slidenum">
               <a:rPr lang="zh-CN" altLang="en-US" smtClean="0"/>
               <a:t>‹#›</a:t>
             </a:fld>
@@ -723,7 +723,7 @@
     </p:spTree>
     <p:extLst>
       <p:ext uri="{BB962C8B-B14F-4D97-AF65-F5344CB8AC3E}">
-        <p14:creationId xmlns:p14="http://schemas.microsoft.com/office/powerpoint/2010/main" val="354538840"/>
+        <p14:creationId xmlns:p14="http://schemas.microsoft.com/office/powerpoint/2010/main" val="2005743421"/>
       </p:ext>
     </p:extLst>
   </p:cSld>
@@ -755,7 +755,7 @@
           <p:cNvPr id="2" name="标题 1">
             <a:extLst>
               <a:ext uri="{FF2B5EF4-FFF2-40B4-BE49-F238E27FC236}">
-                <a16:creationId xmlns:a16="http://schemas.microsoft.com/office/drawing/2014/main" id="{9BF0E05D-BAB9-C7A7-F6CC-2D94A6729E41}"/>
+                <a16:creationId xmlns:a16="http://schemas.microsoft.com/office/drawing/2014/main" id="{F434A421-250F-A467-665C-65E094078B46}"/>
               </a:ext>
             </a:extLst>
           </p:cNvPr>
@@ -783,7 +783,7 @@
           <p:cNvPr id="3" name="内容占位符 2">
             <a:extLst>
               <a:ext uri="{FF2B5EF4-FFF2-40B4-BE49-F238E27FC236}">
-                <a16:creationId xmlns:a16="http://schemas.microsoft.com/office/drawing/2014/main" id="{E02BB7A0-96C3-38DB-4655-436A7DA98C8F}"/>
+                <a16:creationId xmlns:a16="http://schemas.microsoft.com/office/drawing/2014/main" id="{B3642E16-75FF-1AB7-D1D9-27E9D20BDFED}"/>
               </a:ext>
             </a:extLst>
           </p:cNvPr>
@@ -840,7 +840,7 @@
           <p:cNvPr id="4" name="日期占位符 3">
             <a:extLst>
               <a:ext uri="{FF2B5EF4-FFF2-40B4-BE49-F238E27FC236}">
-                <a16:creationId xmlns:a16="http://schemas.microsoft.com/office/drawing/2014/main" id="{F4405B97-AB0B-FE8B-23B6-9617BB8BD58A}"/>
+                <a16:creationId xmlns:a16="http://schemas.microsoft.com/office/drawing/2014/main" id="{25AA7168-7157-AD91-6844-8EA9FCF5B848}"/>
               </a:ext>
             </a:extLst>
           </p:cNvPr>
@@ -856,7 +856,7 @@
           <a:bodyPr/>
           <a:lstStyle/>
           <a:p>
-            <a:fld id="{7CC093F5-5257-4FD6-9812-8E61E1FE62C6}" type="datetimeFigureOut">
+            <a:fld id="{A9FC5BAD-FF35-4EB9-9394-257AD0E89C23}" type="datetimeFigureOut">
               <a:rPr lang="zh-CN" altLang="en-US" smtClean="0"/>
               <a:t>2024/3/10</a:t>
             </a:fld>
@@ -869,7 +869,7 @@
           <p:cNvPr id="5" name="页脚占位符 4">
             <a:extLst>
               <a:ext uri="{FF2B5EF4-FFF2-40B4-BE49-F238E27FC236}">
-                <a16:creationId xmlns:a16="http://schemas.microsoft.com/office/drawing/2014/main" id="{F18B9470-64B3-BD29-4C19-489FB5E1191B}"/>
+                <a16:creationId xmlns:a16="http://schemas.microsoft.com/office/drawing/2014/main" id="{8891BB8F-D9D1-1FDE-1423-208FCEED2D72}"/>
               </a:ext>
             </a:extLst>
           </p:cNvPr>
@@ -894,7 +894,7 @@
           <p:cNvPr id="6" name="灯片编号占位符 5">
             <a:extLst>
               <a:ext uri="{FF2B5EF4-FFF2-40B4-BE49-F238E27FC236}">
-                <a16:creationId xmlns:a16="http://schemas.microsoft.com/office/drawing/2014/main" id="{43A844E3-2E6B-1C48-1A75-7A339BE02CEA}"/>
+                <a16:creationId xmlns:a16="http://schemas.microsoft.com/office/drawing/2014/main" id="{4267B9DE-C909-56F0-D263-B7EDFA766AB5}"/>
               </a:ext>
             </a:extLst>
           </p:cNvPr>
@@ -910,7 +910,7 @@
           <a:bodyPr/>
           <a:lstStyle/>
           <a:p>
-            <a:fld id="{3F27273A-E63C-405E-BF0E-E8D76D77E667}" type="slidenum">
+            <a:fld id="{9C2BDED6-85E7-40BC-AEF9-FE012DC9DB63}" type="slidenum">
               <a:rPr lang="zh-CN" altLang="en-US" smtClean="0"/>
               <a:t>‹#›</a:t>
             </a:fld>
@@ -921,7 +921,7 @@
     </p:spTree>
     <p:extLst>
       <p:ext uri="{BB962C8B-B14F-4D97-AF65-F5344CB8AC3E}">
-        <p14:creationId xmlns:p14="http://schemas.microsoft.com/office/powerpoint/2010/main" val="4046729627"/>
+        <p14:creationId xmlns:p14="http://schemas.microsoft.com/office/powerpoint/2010/main" val="2665691499"/>
       </p:ext>
     </p:extLst>
   </p:cSld>
@@ -953,7 +953,7 @@
           <p:cNvPr id="2" name="标题 1">
             <a:extLst>
               <a:ext uri="{FF2B5EF4-FFF2-40B4-BE49-F238E27FC236}">
-                <a16:creationId xmlns:a16="http://schemas.microsoft.com/office/drawing/2014/main" id="{CE64271F-5DE7-8B49-CA49-2184D9020E0C}"/>
+                <a16:creationId xmlns:a16="http://schemas.microsoft.com/office/drawing/2014/main" id="{19DC0DBA-053F-922B-917C-9285DA1E3C13}"/>
               </a:ext>
             </a:extLst>
           </p:cNvPr>
@@ -990,7 +990,7 @@
           <p:cNvPr id="3" name="文本占位符 2">
             <a:extLst>
               <a:ext uri="{FF2B5EF4-FFF2-40B4-BE49-F238E27FC236}">
-                <a16:creationId xmlns:a16="http://schemas.microsoft.com/office/drawing/2014/main" id="{11E9B094-EE27-04B5-0C35-7F8AA1F1DD3A}"/>
+                <a16:creationId xmlns:a16="http://schemas.microsoft.com/office/drawing/2014/main" id="{B8B2DACB-015B-5856-E967-81617FCB6F9A}"/>
               </a:ext>
             </a:extLst>
           </p:cNvPr>
@@ -1115,7 +1115,7 @@
           <p:cNvPr id="4" name="日期占位符 3">
             <a:extLst>
               <a:ext uri="{FF2B5EF4-FFF2-40B4-BE49-F238E27FC236}">
-                <a16:creationId xmlns:a16="http://schemas.microsoft.com/office/drawing/2014/main" id="{3B2FDC6A-6A11-5269-B71A-2DAB1D87CEC8}"/>
+                <a16:creationId xmlns:a16="http://schemas.microsoft.com/office/drawing/2014/main" id="{1EC1BE66-4530-F0A1-BB37-EA1248E6043A}"/>
               </a:ext>
             </a:extLst>
           </p:cNvPr>
@@ -1131,7 +1131,7 @@
           <a:bodyPr/>
           <a:lstStyle/>
           <a:p>
-            <a:fld id="{7CC093F5-5257-4FD6-9812-8E61E1FE62C6}" type="datetimeFigureOut">
+            <a:fld id="{A9FC5BAD-FF35-4EB9-9394-257AD0E89C23}" type="datetimeFigureOut">
               <a:rPr lang="zh-CN" altLang="en-US" smtClean="0"/>
               <a:t>2024/3/10</a:t>
             </a:fld>
@@ -1144,7 +1144,7 @@
           <p:cNvPr id="5" name="页脚占位符 4">
             <a:extLst>
               <a:ext uri="{FF2B5EF4-FFF2-40B4-BE49-F238E27FC236}">
-                <a16:creationId xmlns:a16="http://schemas.microsoft.com/office/drawing/2014/main" id="{1FC56B55-66A2-886A-60C0-3E504B5DA2DB}"/>
+                <a16:creationId xmlns:a16="http://schemas.microsoft.com/office/drawing/2014/main" id="{6F69C516-E6E4-5276-445F-6424ABBB8367}"/>
               </a:ext>
             </a:extLst>
           </p:cNvPr>
@@ -1169,7 +1169,7 @@
           <p:cNvPr id="6" name="灯片编号占位符 5">
             <a:extLst>
               <a:ext uri="{FF2B5EF4-FFF2-40B4-BE49-F238E27FC236}">
-                <a16:creationId xmlns:a16="http://schemas.microsoft.com/office/drawing/2014/main" id="{6D9842DE-12EB-CFDA-AE48-307130CF6107}"/>
+                <a16:creationId xmlns:a16="http://schemas.microsoft.com/office/drawing/2014/main" id="{62CFDEB8-FEA9-EEA0-3D23-2913024D5330}"/>
               </a:ext>
             </a:extLst>
           </p:cNvPr>
@@ -1185,7 +1185,7 @@
           <a:bodyPr/>
           <a:lstStyle/>
           <a:p>
-            <a:fld id="{3F27273A-E63C-405E-BF0E-E8D76D77E667}" type="slidenum">
+            <a:fld id="{9C2BDED6-85E7-40BC-AEF9-FE012DC9DB63}" type="slidenum">
               <a:rPr lang="zh-CN" altLang="en-US" smtClean="0"/>
               <a:t>‹#›</a:t>
             </a:fld>
@@ -1196,7 +1196,7 @@
     </p:spTree>
     <p:extLst>
       <p:ext uri="{BB962C8B-B14F-4D97-AF65-F5344CB8AC3E}">
-        <p14:creationId xmlns:p14="http://schemas.microsoft.com/office/powerpoint/2010/main" val="2208608211"/>
+        <p14:creationId xmlns:p14="http://schemas.microsoft.com/office/powerpoint/2010/main" val="3943317124"/>
       </p:ext>
     </p:extLst>
   </p:cSld>
@@ -1228,7 +1228,7 @@
           <p:cNvPr id="2" name="标题 1">
             <a:extLst>
               <a:ext uri="{FF2B5EF4-FFF2-40B4-BE49-F238E27FC236}">
-                <a16:creationId xmlns:a16="http://schemas.microsoft.com/office/drawing/2014/main" id="{5DA654D1-DF6C-A5D4-31D7-AFAB16CCFC99}"/>
+                <a16:creationId xmlns:a16="http://schemas.microsoft.com/office/drawing/2014/main" id="{8126A3C4-1C18-D73D-C86B-9D4FC97550FE}"/>
               </a:ext>
             </a:extLst>
           </p:cNvPr>
@@ -1256,7 +1256,7 @@
           <p:cNvPr id="3" name="内容占位符 2">
             <a:extLst>
               <a:ext uri="{FF2B5EF4-FFF2-40B4-BE49-F238E27FC236}">
-                <a16:creationId xmlns:a16="http://schemas.microsoft.com/office/drawing/2014/main" id="{A0CA0D05-CA6E-2B20-7A7C-D52FD1E2A7B1}"/>
+                <a16:creationId xmlns:a16="http://schemas.microsoft.com/office/drawing/2014/main" id="{33CEDD72-FFC1-F6DA-D057-8DA2824524CC}"/>
               </a:ext>
             </a:extLst>
           </p:cNvPr>
@@ -1318,7 +1318,7 @@
           <p:cNvPr id="4" name="内容占位符 3">
             <a:extLst>
               <a:ext uri="{FF2B5EF4-FFF2-40B4-BE49-F238E27FC236}">
-                <a16:creationId xmlns:a16="http://schemas.microsoft.com/office/drawing/2014/main" id="{B7C59D0D-DE18-71C8-1733-7584E8772D7F}"/>
+                <a16:creationId xmlns:a16="http://schemas.microsoft.com/office/drawing/2014/main" id="{D91D052E-E619-6842-7D6F-A170A4B51389}"/>
               </a:ext>
             </a:extLst>
           </p:cNvPr>
@@ -1380,7 +1380,7 @@
           <p:cNvPr id="5" name="日期占位符 4">
             <a:extLst>
               <a:ext uri="{FF2B5EF4-FFF2-40B4-BE49-F238E27FC236}">
-                <a16:creationId xmlns:a16="http://schemas.microsoft.com/office/drawing/2014/main" id="{70616EC7-9173-FA87-6E94-D5F92EF15013}"/>
+                <a16:creationId xmlns:a16="http://schemas.microsoft.com/office/drawing/2014/main" id="{5A6C0958-82A9-F7AB-78F3-BBBFD3BDB6F4}"/>
               </a:ext>
             </a:extLst>
           </p:cNvPr>
@@ -1396,7 +1396,7 @@
           <a:bodyPr/>
           <a:lstStyle/>
           <a:p>
-            <a:fld id="{7CC093F5-5257-4FD6-9812-8E61E1FE62C6}" type="datetimeFigureOut">
+            <a:fld id="{A9FC5BAD-FF35-4EB9-9394-257AD0E89C23}" type="datetimeFigureOut">
               <a:rPr lang="zh-CN" altLang="en-US" smtClean="0"/>
               <a:t>2024/3/10</a:t>
             </a:fld>
@@ -1409,7 +1409,7 @@
           <p:cNvPr id="6" name="页脚占位符 5">
             <a:extLst>
               <a:ext uri="{FF2B5EF4-FFF2-40B4-BE49-F238E27FC236}">
-                <a16:creationId xmlns:a16="http://schemas.microsoft.com/office/drawing/2014/main" id="{E2C797C4-C3D0-95DE-DDAB-608A8DE39C9E}"/>
+                <a16:creationId xmlns:a16="http://schemas.microsoft.com/office/drawing/2014/main" id="{70BDB12E-F347-1D82-D959-702E64EFE8E4}"/>
               </a:ext>
             </a:extLst>
           </p:cNvPr>
@@ -1434,7 +1434,7 @@
           <p:cNvPr id="7" name="灯片编号占位符 6">
             <a:extLst>
               <a:ext uri="{FF2B5EF4-FFF2-40B4-BE49-F238E27FC236}">
-                <a16:creationId xmlns:a16="http://schemas.microsoft.com/office/drawing/2014/main" id="{B6E84AE8-2CE3-24B4-98F6-F70DE3091445}"/>
+                <a16:creationId xmlns:a16="http://schemas.microsoft.com/office/drawing/2014/main" id="{4BB3B20C-9658-247B-0C3D-4888DE110134}"/>
               </a:ext>
             </a:extLst>
           </p:cNvPr>
@@ -1450,7 +1450,7 @@
           <a:bodyPr/>
           <a:lstStyle/>
           <a:p>
-            <a:fld id="{3F27273A-E63C-405E-BF0E-E8D76D77E667}" type="slidenum">
+            <a:fld id="{9C2BDED6-85E7-40BC-AEF9-FE012DC9DB63}" type="slidenum">
               <a:rPr lang="zh-CN" altLang="en-US" smtClean="0"/>
               <a:t>‹#›</a:t>
             </a:fld>
@@ -1461,7 +1461,7 @@
     </p:spTree>
     <p:extLst>
       <p:ext uri="{BB962C8B-B14F-4D97-AF65-F5344CB8AC3E}">
-        <p14:creationId xmlns:p14="http://schemas.microsoft.com/office/powerpoint/2010/main" val="2205736236"/>
+        <p14:creationId xmlns:p14="http://schemas.microsoft.com/office/powerpoint/2010/main" val="4114718844"/>
       </p:ext>
     </p:extLst>
   </p:cSld>
@@ -1493,7 +1493,7 @@
           <p:cNvPr id="2" name="标题 1">
             <a:extLst>
               <a:ext uri="{FF2B5EF4-FFF2-40B4-BE49-F238E27FC236}">
-                <a16:creationId xmlns:a16="http://schemas.microsoft.com/office/drawing/2014/main" id="{4C875FF8-C109-F742-FC16-57798409C987}"/>
+                <a16:creationId xmlns:a16="http://schemas.microsoft.com/office/drawing/2014/main" id="{4084E97F-C40C-1911-0FDE-8073DD821A14}"/>
               </a:ext>
             </a:extLst>
           </p:cNvPr>
@@ -1526,7 +1526,7 @@
           <p:cNvPr id="3" name="文本占位符 2">
             <a:extLst>
               <a:ext uri="{FF2B5EF4-FFF2-40B4-BE49-F238E27FC236}">
-                <a16:creationId xmlns:a16="http://schemas.microsoft.com/office/drawing/2014/main" id="{E6818FF3-7189-FAB4-67D2-B68E4DA4C6B0}"/>
+                <a16:creationId xmlns:a16="http://schemas.microsoft.com/office/drawing/2014/main" id="{DEB45CC2-019C-75E6-A395-798D0622BF79}"/>
               </a:ext>
             </a:extLst>
           </p:cNvPr>
@@ -1597,7 +1597,7 @@
           <p:cNvPr id="4" name="内容占位符 3">
             <a:extLst>
               <a:ext uri="{FF2B5EF4-FFF2-40B4-BE49-F238E27FC236}">
-                <a16:creationId xmlns:a16="http://schemas.microsoft.com/office/drawing/2014/main" id="{0120B8E1-0B6C-40CE-6CF1-8C4F9B193A62}"/>
+                <a16:creationId xmlns:a16="http://schemas.microsoft.com/office/drawing/2014/main" id="{3373B675-1996-9E79-861D-377390431BFF}"/>
               </a:ext>
             </a:extLst>
           </p:cNvPr>
@@ -1659,7 +1659,7 @@
           <p:cNvPr id="5" name="文本占位符 4">
             <a:extLst>
               <a:ext uri="{FF2B5EF4-FFF2-40B4-BE49-F238E27FC236}">
-                <a16:creationId xmlns:a16="http://schemas.microsoft.com/office/drawing/2014/main" id="{722F051B-3F8E-9242-56F4-7882160429F6}"/>
+                <a16:creationId xmlns:a16="http://schemas.microsoft.com/office/drawing/2014/main" id="{46DCFF58-A572-0187-F774-FB2F7619092F}"/>
               </a:ext>
             </a:extLst>
           </p:cNvPr>
@@ -1730,7 +1730,7 @@
           <p:cNvPr id="6" name="内容占位符 5">
             <a:extLst>
               <a:ext uri="{FF2B5EF4-FFF2-40B4-BE49-F238E27FC236}">
-                <a16:creationId xmlns:a16="http://schemas.microsoft.com/office/drawing/2014/main" id="{CA0FD083-538C-C358-67EC-AE25067730D1}"/>
+                <a16:creationId xmlns:a16="http://schemas.microsoft.com/office/drawing/2014/main" id="{950FE6C5-05B6-EDC1-0907-1F9D40803AD8}"/>
               </a:ext>
             </a:extLst>
           </p:cNvPr>
@@ -1792,7 +1792,7 @@
           <p:cNvPr id="7" name="日期占位符 6">
             <a:extLst>
               <a:ext uri="{FF2B5EF4-FFF2-40B4-BE49-F238E27FC236}">
-                <a16:creationId xmlns:a16="http://schemas.microsoft.com/office/drawing/2014/main" id="{2994847A-A523-02F6-AA00-EFB1D4FF7B8C}"/>
+                <a16:creationId xmlns:a16="http://schemas.microsoft.com/office/drawing/2014/main" id="{607D4439-7845-A355-124F-6F7B5CE7B31B}"/>
               </a:ext>
             </a:extLst>
           </p:cNvPr>
@@ -1808,7 +1808,7 @@
           <a:bodyPr/>
           <a:lstStyle/>
           <a:p>
-            <a:fld id="{7CC093F5-5257-4FD6-9812-8E61E1FE62C6}" type="datetimeFigureOut">
+            <a:fld id="{A9FC5BAD-FF35-4EB9-9394-257AD0E89C23}" type="datetimeFigureOut">
               <a:rPr lang="zh-CN" altLang="en-US" smtClean="0"/>
               <a:t>2024/3/10</a:t>
             </a:fld>
@@ -1821,7 +1821,7 @@
           <p:cNvPr id="8" name="页脚占位符 7">
             <a:extLst>
               <a:ext uri="{FF2B5EF4-FFF2-40B4-BE49-F238E27FC236}">
-                <a16:creationId xmlns:a16="http://schemas.microsoft.com/office/drawing/2014/main" id="{F56949ED-B6A9-5ADB-42DE-F630EBE3692E}"/>
+                <a16:creationId xmlns:a16="http://schemas.microsoft.com/office/drawing/2014/main" id="{84E91D60-BD79-3EAF-293F-E35496B2F76D}"/>
               </a:ext>
             </a:extLst>
           </p:cNvPr>
@@ -1846,7 +1846,7 @@
           <p:cNvPr id="9" name="灯片编号占位符 8">
             <a:extLst>
               <a:ext uri="{FF2B5EF4-FFF2-40B4-BE49-F238E27FC236}">
-                <a16:creationId xmlns:a16="http://schemas.microsoft.com/office/drawing/2014/main" id="{9DDAF279-6F72-6CA7-C1DC-6215DCD60AA2}"/>
+                <a16:creationId xmlns:a16="http://schemas.microsoft.com/office/drawing/2014/main" id="{FC11CCEC-CB8B-0687-67A0-AEE7D3FA0842}"/>
               </a:ext>
             </a:extLst>
           </p:cNvPr>
@@ -1862,7 +1862,7 @@
           <a:bodyPr/>
           <a:lstStyle/>
           <a:p>
-            <a:fld id="{3F27273A-E63C-405E-BF0E-E8D76D77E667}" type="slidenum">
+            <a:fld id="{9C2BDED6-85E7-40BC-AEF9-FE012DC9DB63}" type="slidenum">
               <a:rPr lang="zh-CN" altLang="en-US" smtClean="0"/>
               <a:t>‹#›</a:t>
             </a:fld>
@@ -1873,7 +1873,7 @@
     </p:spTree>
     <p:extLst>
       <p:ext uri="{BB962C8B-B14F-4D97-AF65-F5344CB8AC3E}">
-        <p14:creationId xmlns:p14="http://schemas.microsoft.com/office/powerpoint/2010/main" val="3803062665"/>
+        <p14:creationId xmlns:p14="http://schemas.microsoft.com/office/powerpoint/2010/main" val="58383898"/>
       </p:ext>
     </p:extLst>
   </p:cSld>
@@ -1905,7 +1905,7 @@
           <p:cNvPr id="2" name="标题 1">
             <a:extLst>
               <a:ext uri="{FF2B5EF4-FFF2-40B4-BE49-F238E27FC236}">
-                <a16:creationId xmlns:a16="http://schemas.microsoft.com/office/drawing/2014/main" id="{06E4AB21-D16D-E632-517D-1520BAE0B382}"/>
+                <a16:creationId xmlns:a16="http://schemas.microsoft.com/office/drawing/2014/main" id="{73DB06D4-4BC4-331D-ECFB-08CAD613C5D3}"/>
               </a:ext>
             </a:extLst>
           </p:cNvPr>
@@ -1933,7 +1933,7 @@
           <p:cNvPr id="3" name="日期占位符 2">
             <a:extLst>
               <a:ext uri="{FF2B5EF4-FFF2-40B4-BE49-F238E27FC236}">
-                <a16:creationId xmlns:a16="http://schemas.microsoft.com/office/drawing/2014/main" id="{C6D08853-CEAC-0510-3FCE-C22D89CCF2ED}"/>
+                <a16:creationId xmlns:a16="http://schemas.microsoft.com/office/drawing/2014/main" id="{F2BA83EC-CCA0-625D-77C3-31CDCCD77F5A}"/>
               </a:ext>
             </a:extLst>
           </p:cNvPr>
@@ -1949,7 +1949,7 @@
           <a:bodyPr/>
           <a:lstStyle/>
           <a:p>
-            <a:fld id="{7CC093F5-5257-4FD6-9812-8E61E1FE62C6}" type="datetimeFigureOut">
+            <a:fld id="{A9FC5BAD-FF35-4EB9-9394-257AD0E89C23}" type="datetimeFigureOut">
               <a:rPr lang="zh-CN" altLang="en-US" smtClean="0"/>
               <a:t>2024/3/10</a:t>
             </a:fld>
@@ -1962,7 +1962,7 @@
           <p:cNvPr id="4" name="页脚占位符 3">
             <a:extLst>
               <a:ext uri="{FF2B5EF4-FFF2-40B4-BE49-F238E27FC236}">
-                <a16:creationId xmlns:a16="http://schemas.microsoft.com/office/drawing/2014/main" id="{D87E7AA3-C8EB-FD54-0238-EDA98B447BCA}"/>
+                <a16:creationId xmlns:a16="http://schemas.microsoft.com/office/drawing/2014/main" id="{2769D418-1DF9-22B5-B1F2-8C5CCB399B74}"/>
               </a:ext>
             </a:extLst>
           </p:cNvPr>
@@ -1987,7 +1987,7 @@
           <p:cNvPr id="5" name="灯片编号占位符 4">
             <a:extLst>
               <a:ext uri="{FF2B5EF4-FFF2-40B4-BE49-F238E27FC236}">
-                <a16:creationId xmlns:a16="http://schemas.microsoft.com/office/drawing/2014/main" id="{E7A3BC6F-625D-3C48-FEDD-BFF2EC3C1EDD}"/>
+                <a16:creationId xmlns:a16="http://schemas.microsoft.com/office/drawing/2014/main" id="{062A09EB-8B89-9693-27D6-6E32B666F97D}"/>
               </a:ext>
             </a:extLst>
           </p:cNvPr>
@@ -2003,7 +2003,7 @@
           <a:bodyPr/>
           <a:lstStyle/>
           <a:p>
-            <a:fld id="{3F27273A-E63C-405E-BF0E-E8D76D77E667}" type="slidenum">
+            <a:fld id="{9C2BDED6-85E7-40BC-AEF9-FE012DC9DB63}" type="slidenum">
               <a:rPr lang="zh-CN" altLang="en-US" smtClean="0"/>
               <a:t>‹#›</a:t>
             </a:fld>
@@ -2014,7 +2014,7 @@
     </p:spTree>
     <p:extLst>
       <p:ext uri="{BB962C8B-B14F-4D97-AF65-F5344CB8AC3E}">
-        <p14:creationId xmlns:p14="http://schemas.microsoft.com/office/powerpoint/2010/main" val="589684109"/>
+        <p14:creationId xmlns:p14="http://schemas.microsoft.com/office/powerpoint/2010/main" val="3221397714"/>
       </p:ext>
     </p:extLst>
   </p:cSld>
@@ -2046,7 +2046,7 @@
           <p:cNvPr id="2" name="日期占位符 1">
             <a:extLst>
               <a:ext uri="{FF2B5EF4-FFF2-40B4-BE49-F238E27FC236}">
-                <a16:creationId xmlns:a16="http://schemas.microsoft.com/office/drawing/2014/main" id="{14261DFB-3D35-1E0C-193D-7A7F9BB8DA02}"/>
+                <a16:creationId xmlns:a16="http://schemas.microsoft.com/office/drawing/2014/main" id="{A345F0A3-0C1F-462A-D026-F4C8BC0CD801}"/>
               </a:ext>
             </a:extLst>
           </p:cNvPr>
@@ -2062,7 +2062,7 @@
           <a:bodyPr/>
           <a:lstStyle/>
           <a:p>
-            <a:fld id="{7CC093F5-5257-4FD6-9812-8E61E1FE62C6}" type="datetimeFigureOut">
+            <a:fld id="{A9FC5BAD-FF35-4EB9-9394-257AD0E89C23}" type="datetimeFigureOut">
               <a:rPr lang="zh-CN" altLang="en-US" smtClean="0"/>
               <a:t>2024/3/10</a:t>
             </a:fld>
@@ -2075,7 +2075,7 @@
           <p:cNvPr id="3" name="页脚占位符 2">
             <a:extLst>
               <a:ext uri="{FF2B5EF4-FFF2-40B4-BE49-F238E27FC236}">
-                <a16:creationId xmlns:a16="http://schemas.microsoft.com/office/drawing/2014/main" id="{3AD3C2B5-842E-52F0-2AA0-6E738F1D4760}"/>
+                <a16:creationId xmlns:a16="http://schemas.microsoft.com/office/drawing/2014/main" id="{B1DEF970-DA45-3589-B2B1-1FDD5FEC2B99}"/>
               </a:ext>
             </a:extLst>
           </p:cNvPr>
@@ -2100,7 +2100,7 @@
           <p:cNvPr id="4" name="灯片编号占位符 3">
             <a:extLst>
               <a:ext uri="{FF2B5EF4-FFF2-40B4-BE49-F238E27FC236}">
-                <a16:creationId xmlns:a16="http://schemas.microsoft.com/office/drawing/2014/main" id="{8F05FE7A-166D-6E44-C22D-84D44944A7E4}"/>
+                <a16:creationId xmlns:a16="http://schemas.microsoft.com/office/drawing/2014/main" id="{C9F5A6B0-4B97-3352-B217-BF561E170BE1}"/>
               </a:ext>
             </a:extLst>
           </p:cNvPr>
@@ -2116,7 +2116,7 @@
           <a:bodyPr/>
           <a:lstStyle/>
           <a:p>
-            <a:fld id="{3F27273A-E63C-405E-BF0E-E8D76D77E667}" type="slidenum">
+            <a:fld id="{9C2BDED6-85E7-40BC-AEF9-FE012DC9DB63}" type="slidenum">
               <a:rPr lang="zh-CN" altLang="en-US" smtClean="0"/>
               <a:t>‹#›</a:t>
             </a:fld>
@@ -2127,7 +2127,7 @@
     </p:spTree>
     <p:extLst>
       <p:ext uri="{BB962C8B-B14F-4D97-AF65-F5344CB8AC3E}">
-        <p14:creationId xmlns:p14="http://schemas.microsoft.com/office/powerpoint/2010/main" val="2975468727"/>
+        <p14:creationId xmlns:p14="http://schemas.microsoft.com/office/powerpoint/2010/main" val="1724303593"/>
       </p:ext>
     </p:extLst>
   </p:cSld>
@@ -2159,7 +2159,7 @@
           <p:cNvPr id="2" name="标题 1">
             <a:extLst>
               <a:ext uri="{FF2B5EF4-FFF2-40B4-BE49-F238E27FC236}">
-                <a16:creationId xmlns:a16="http://schemas.microsoft.com/office/drawing/2014/main" id="{AC3B4EC9-74E4-1F05-E4AC-8FEFF0336528}"/>
+                <a16:creationId xmlns:a16="http://schemas.microsoft.com/office/drawing/2014/main" id="{E045E115-7BB7-1DB1-7E56-022A08FF3404}"/>
               </a:ext>
             </a:extLst>
           </p:cNvPr>
@@ -2196,7 +2196,7 @@
           <p:cNvPr id="3" name="内容占位符 2">
             <a:extLst>
               <a:ext uri="{FF2B5EF4-FFF2-40B4-BE49-F238E27FC236}">
-                <a16:creationId xmlns:a16="http://schemas.microsoft.com/office/drawing/2014/main" id="{073C6EDE-01CB-BD31-E8AF-72DDD1F814C4}"/>
+                <a16:creationId xmlns:a16="http://schemas.microsoft.com/office/drawing/2014/main" id="{ACF298A8-1D35-ACB1-7F4F-C64B4B49948B}"/>
               </a:ext>
             </a:extLst>
           </p:cNvPr>
@@ -2286,7 +2286,7 @@
           <p:cNvPr id="4" name="文本占位符 3">
             <a:extLst>
               <a:ext uri="{FF2B5EF4-FFF2-40B4-BE49-F238E27FC236}">
-                <a16:creationId xmlns:a16="http://schemas.microsoft.com/office/drawing/2014/main" id="{B8BCD851-FA66-55E0-C8C5-2DE99F8301C0}"/>
+                <a16:creationId xmlns:a16="http://schemas.microsoft.com/office/drawing/2014/main" id="{26DEA4A9-54B4-04E6-5CCE-C1FCCC817582}"/>
               </a:ext>
             </a:extLst>
           </p:cNvPr>
@@ -2357,7 +2357,7 @@
           <p:cNvPr id="5" name="日期占位符 4">
             <a:extLst>
               <a:ext uri="{FF2B5EF4-FFF2-40B4-BE49-F238E27FC236}">
-                <a16:creationId xmlns:a16="http://schemas.microsoft.com/office/drawing/2014/main" id="{1DD916D7-5425-34D8-0050-52C75512697B}"/>
+                <a16:creationId xmlns:a16="http://schemas.microsoft.com/office/drawing/2014/main" id="{42881BD2-2116-13B6-7EEC-B2979799C647}"/>
               </a:ext>
             </a:extLst>
           </p:cNvPr>
@@ -2373,7 +2373,7 @@
           <a:bodyPr/>
           <a:lstStyle/>
           <a:p>
-            <a:fld id="{7CC093F5-5257-4FD6-9812-8E61E1FE62C6}" type="datetimeFigureOut">
+            <a:fld id="{A9FC5BAD-FF35-4EB9-9394-257AD0E89C23}" type="datetimeFigureOut">
               <a:rPr lang="zh-CN" altLang="en-US" smtClean="0"/>
               <a:t>2024/3/10</a:t>
             </a:fld>
@@ -2386,7 +2386,7 @@
           <p:cNvPr id="6" name="页脚占位符 5">
             <a:extLst>
               <a:ext uri="{FF2B5EF4-FFF2-40B4-BE49-F238E27FC236}">
-                <a16:creationId xmlns:a16="http://schemas.microsoft.com/office/drawing/2014/main" id="{2942FE51-D9E1-E1D3-6BAF-8467907CDCB7}"/>
+                <a16:creationId xmlns:a16="http://schemas.microsoft.com/office/drawing/2014/main" id="{6190AC45-152C-28A0-864D-8E791AEEF274}"/>
               </a:ext>
             </a:extLst>
           </p:cNvPr>
@@ -2411,7 +2411,7 @@
           <p:cNvPr id="7" name="灯片编号占位符 6">
             <a:extLst>
               <a:ext uri="{FF2B5EF4-FFF2-40B4-BE49-F238E27FC236}">
-                <a16:creationId xmlns:a16="http://schemas.microsoft.com/office/drawing/2014/main" id="{821D0D62-D86F-F602-5391-1BDED9879641}"/>
+                <a16:creationId xmlns:a16="http://schemas.microsoft.com/office/drawing/2014/main" id="{250ED163-1E1B-0E34-C922-0449C44673F4}"/>
               </a:ext>
             </a:extLst>
           </p:cNvPr>
@@ -2427,7 +2427,7 @@
           <a:bodyPr/>
           <a:lstStyle/>
           <a:p>
-            <a:fld id="{3F27273A-E63C-405E-BF0E-E8D76D77E667}" type="slidenum">
+            <a:fld id="{9C2BDED6-85E7-40BC-AEF9-FE012DC9DB63}" type="slidenum">
               <a:rPr lang="zh-CN" altLang="en-US" smtClean="0"/>
               <a:t>‹#›</a:t>
             </a:fld>
@@ -2438,7 +2438,7 @@
     </p:spTree>
     <p:extLst>
       <p:ext uri="{BB962C8B-B14F-4D97-AF65-F5344CB8AC3E}">
-        <p14:creationId xmlns:p14="http://schemas.microsoft.com/office/powerpoint/2010/main" val="1081984654"/>
+        <p14:creationId xmlns:p14="http://schemas.microsoft.com/office/powerpoint/2010/main" val="4088631205"/>
       </p:ext>
     </p:extLst>
   </p:cSld>
@@ -2470,7 +2470,7 @@
           <p:cNvPr id="2" name="标题 1">
             <a:extLst>
               <a:ext uri="{FF2B5EF4-FFF2-40B4-BE49-F238E27FC236}">
-                <a16:creationId xmlns:a16="http://schemas.microsoft.com/office/drawing/2014/main" id="{B9C8675E-34EB-2674-DE9A-EA4390520529}"/>
+                <a16:creationId xmlns:a16="http://schemas.microsoft.com/office/drawing/2014/main" id="{1CD44CF0-E400-0D6D-99F8-AB5F751D6403}"/>
               </a:ext>
             </a:extLst>
           </p:cNvPr>
@@ -2507,7 +2507,7 @@
           <p:cNvPr id="3" name="图片占位符 2">
             <a:extLst>
               <a:ext uri="{FF2B5EF4-FFF2-40B4-BE49-F238E27FC236}">
-                <a16:creationId xmlns:a16="http://schemas.microsoft.com/office/drawing/2014/main" id="{57189DA2-262D-FC2F-0788-1AF570EB4BBB}"/>
+                <a16:creationId xmlns:a16="http://schemas.microsoft.com/office/drawing/2014/main" id="{1F6FB677-EEEE-2B12-1ADF-704FC79ECDE8}"/>
               </a:ext>
             </a:extLst>
           </p:cNvPr>
@@ -2574,7 +2574,7 @@
           <p:cNvPr id="4" name="文本占位符 3">
             <a:extLst>
               <a:ext uri="{FF2B5EF4-FFF2-40B4-BE49-F238E27FC236}">
-                <a16:creationId xmlns:a16="http://schemas.microsoft.com/office/drawing/2014/main" id="{990E6FA7-46A5-7A97-9852-AE0E5A59D04C}"/>
+                <a16:creationId xmlns:a16="http://schemas.microsoft.com/office/drawing/2014/main" id="{C1F3C1A2-29BB-2445-E727-6C3D05C1D6E8}"/>
               </a:ext>
             </a:extLst>
           </p:cNvPr>
@@ -2645,7 +2645,7 @@
           <p:cNvPr id="5" name="日期占位符 4">
             <a:extLst>
               <a:ext uri="{FF2B5EF4-FFF2-40B4-BE49-F238E27FC236}">
-                <a16:creationId xmlns:a16="http://schemas.microsoft.com/office/drawing/2014/main" id="{9BF1FD70-3140-F97A-4CD0-176DE794B2A4}"/>
+                <a16:creationId xmlns:a16="http://schemas.microsoft.com/office/drawing/2014/main" id="{A345D95F-B4E1-E620-032F-28A36D3C28A4}"/>
               </a:ext>
             </a:extLst>
           </p:cNvPr>
@@ -2661,7 +2661,7 @@
           <a:bodyPr/>
           <a:lstStyle/>
           <a:p>
-            <a:fld id="{7CC093F5-5257-4FD6-9812-8E61E1FE62C6}" type="datetimeFigureOut">
+            <a:fld id="{A9FC5BAD-FF35-4EB9-9394-257AD0E89C23}" type="datetimeFigureOut">
               <a:rPr lang="zh-CN" altLang="en-US" smtClean="0"/>
               <a:t>2024/3/10</a:t>
             </a:fld>
@@ -2674,7 +2674,7 @@
           <p:cNvPr id="6" name="页脚占位符 5">
             <a:extLst>
               <a:ext uri="{FF2B5EF4-FFF2-40B4-BE49-F238E27FC236}">
-                <a16:creationId xmlns:a16="http://schemas.microsoft.com/office/drawing/2014/main" id="{1ABBB227-822E-BB23-075C-B03912C284CA}"/>
+                <a16:creationId xmlns:a16="http://schemas.microsoft.com/office/drawing/2014/main" id="{DE25D065-9F67-33A8-A4F7-41F715976059}"/>
               </a:ext>
             </a:extLst>
           </p:cNvPr>
@@ -2699,7 +2699,7 @@
           <p:cNvPr id="7" name="灯片编号占位符 6">
             <a:extLst>
               <a:ext uri="{FF2B5EF4-FFF2-40B4-BE49-F238E27FC236}">
-                <a16:creationId xmlns:a16="http://schemas.microsoft.com/office/drawing/2014/main" id="{CC585B96-9CA2-2DBA-7CE0-ED9703B006DF}"/>
+                <a16:creationId xmlns:a16="http://schemas.microsoft.com/office/drawing/2014/main" id="{8B72558A-FFF5-617A-F32F-90398B0300A8}"/>
               </a:ext>
             </a:extLst>
           </p:cNvPr>
@@ -2715,7 +2715,7 @@
           <a:bodyPr/>
           <a:lstStyle/>
           <a:p>
-            <a:fld id="{3F27273A-E63C-405E-BF0E-E8D76D77E667}" type="slidenum">
+            <a:fld id="{9C2BDED6-85E7-40BC-AEF9-FE012DC9DB63}" type="slidenum">
               <a:rPr lang="zh-CN" altLang="en-US" smtClean="0"/>
               <a:t>‹#›</a:t>
             </a:fld>
@@ -2726,7 +2726,7 @@
     </p:spTree>
     <p:extLst>
       <p:ext uri="{BB962C8B-B14F-4D97-AF65-F5344CB8AC3E}">
-        <p14:creationId xmlns:p14="http://schemas.microsoft.com/office/powerpoint/2010/main" val="719725166"/>
+        <p14:creationId xmlns:p14="http://schemas.microsoft.com/office/powerpoint/2010/main" val="2530342749"/>
       </p:ext>
     </p:extLst>
   </p:cSld>
@@ -2763,7 +2763,7 @@
           <p:cNvPr id="2" name="标题占位符 1">
             <a:extLst>
               <a:ext uri="{FF2B5EF4-FFF2-40B4-BE49-F238E27FC236}">
-                <a16:creationId xmlns:a16="http://schemas.microsoft.com/office/drawing/2014/main" id="{B558605F-6214-2D5E-27F8-E3CF79DB972C}"/>
+                <a16:creationId xmlns:a16="http://schemas.microsoft.com/office/drawing/2014/main" id="{31B0F24A-4F9A-A2D1-0466-DFA64294D81C}"/>
               </a:ext>
             </a:extLst>
           </p:cNvPr>
@@ -2801,7 +2801,7 @@
           <p:cNvPr id="3" name="文本占位符 2">
             <a:extLst>
               <a:ext uri="{FF2B5EF4-FFF2-40B4-BE49-F238E27FC236}">
-                <a16:creationId xmlns:a16="http://schemas.microsoft.com/office/drawing/2014/main" id="{0D9ED665-DD42-BDAA-E642-D6C7BD01AA9C}"/>
+                <a16:creationId xmlns:a16="http://schemas.microsoft.com/office/drawing/2014/main" id="{85373DEC-810A-56BC-5BB6-35654D6D58C3}"/>
               </a:ext>
             </a:extLst>
           </p:cNvPr>
@@ -2868,7 +2868,7 @@
           <p:cNvPr id="4" name="日期占位符 3">
             <a:extLst>
               <a:ext uri="{FF2B5EF4-FFF2-40B4-BE49-F238E27FC236}">
-                <a16:creationId xmlns:a16="http://schemas.microsoft.com/office/drawing/2014/main" id="{043C6B9F-DBEA-BF50-00DD-BD1FB95E4147}"/>
+                <a16:creationId xmlns:a16="http://schemas.microsoft.com/office/drawing/2014/main" id="{F6F8AE15-2398-A330-0E59-9DDDB9E8D8C7}"/>
               </a:ext>
             </a:extLst>
           </p:cNvPr>
@@ -2902,7 +2902,7 @@
             </a:lvl1pPr>
           </a:lstStyle>
           <a:p>
-            <a:fld id="{7CC093F5-5257-4FD6-9812-8E61E1FE62C6}" type="datetimeFigureOut">
+            <a:fld id="{A9FC5BAD-FF35-4EB9-9394-257AD0E89C23}" type="datetimeFigureOut">
               <a:rPr lang="zh-CN" altLang="en-US" smtClean="0"/>
               <a:t>2024/3/10</a:t>
             </a:fld>
@@ -2915,7 +2915,7 @@
           <p:cNvPr id="5" name="页脚占位符 4">
             <a:extLst>
               <a:ext uri="{FF2B5EF4-FFF2-40B4-BE49-F238E27FC236}">
-                <a16:creationId xmlns:a16="http://schemas.microsoft.com/office/drawing/2014/main" id="{0AE53E4E-CD31-DDB5-4832-F2CCF13D0B73}"/>
+                <a16:creationId xmlns:a16="http://schemas.microsoft.com/office/drawing/2014/main" id="{4E762571-ED00-7E87-9028-61A7F5B3A9D6}"/>
               </a:ext>
             </a:extLst>
           </p:cNvPr>
@@ -2958,7 +2958,7 @@
           <p:cNvPr id="6" name="灯片编号占位符 5">
             <a:extLst>
               <a:ext uri="{FF2B5EF4-FFF2-40B4-BE49-F238E27FC236}">
-                <a16:creationId xmlns:a16="http://schemas.microsoft.com/office/drawing/2014/main" id="{97533791-4C19-ABA6-4E74-8F58630B3C2B}"/>
+                <a16:creationId xmlns:a16="http://schemas.microsoft.com/office/drawing/2014/main" id="{EC457113-BE7B-E171-28B7-9D3C5042F586}"/>
               </a:ext>
             </a:extLst>
           </p:cNvPr>
@@ -2992,7 +2992,7 @@
             </a:lvl1pPr>
           </a:lstStyle>
           <a:p>
-            <a:fld id="{3F27273A-E63C-405E-BF0E-E8D76D77E667}" type="slidenum">
+            <a:fld id="{9C2BDED6-85E7-40BC-AEF9-FE012DC9DB63}" type="slidenum">
               <a:rPr lang="zh-CN" altLang="en-US" smtClean="0"/>
               <a:t>‹#›</a:t>
             </a:fld>
@@ -3003,7 +3003,7 @@
     </p:spTree>
     <p:extLst>
       <p:ext uri="{BB962C8B-B14F-4D97-AF65-F5344CB8AC3E}">
-        <p14:creationId xmlns:p14="http://schemas.microsoft.com/office/powerpoint/2010/main" val="684150337"/>
+        <p14:creationId xmlns:p14="http://schemas.microsoft.com/office/powerpoint/2010/main" val="4672864"/>
       </p:ext>
     </p:extLst>
   </p:cSld>
